--- a/scrum/Scrum_v1.0.pptx
+++ b/scrum/Scrum_v1.0.pptx
@@ -5,13 +5,14 @@
     <p:sldMasterId id="2147483657" r:id="rId1"/>
   </p:sldMasterIdLst>
   <p:notesMasterIdLst>
-    <p:notesMasterId r:id="rId6"/>
+    <p:notesMasterId r:id="rId7"/>
   </p:notesMasterIdLst>
   <p:sldIdLst>
     <p:sldId id="306" r:id="rId2"/>
     <p:sldId id="330" r:id="rId3"/>
-    <p:sldId id="367" r:id="rId4"/>
-    <p:sldId id="329" r:id="rId5"/>
+    <p:sldId id="368" r:id="rId4"/>
+    <p:sldId id="367" r:id="rId5"/>
+    <p:sldId id="329" r:id="rId6"/>
   </p:sldIdLst>
   <p:sldSz cx="12192000" cy="6858000"/>
   <p:notesSz cx="6858000" cy="9144000"/>
@@ -2162,7 +2163,7 @@
         </p:blipFill>
         <p:spPr>
           <a:xfrm>
-            <a:off x="1013989" y="846259"/>
+            <a:off x="460375" y="359994"/>
             <a:ext cx="2601058" cy="824279"/>
           </a:xfrm>
           <a:prstGeom prst="rect">
@@ -2209,6 +2210,36 @@
           </a:p>
         </p:txBody>
       </p:sp>
+      <p:pic>
+        <p:nvPicPr>
+          <p:cNvPr id="4" name="图片 3">
+            <a:extLst>
+              <a:ext uri="{FF2B5EF4-FFF2-40B4-BE49-F238E27FC236}">
+                <a16:creationId xmlns:a16="http://schemas.microsoft.com/office/drawing/2014/main" id="{66438EAA-76B3-4E4C-9E37-499812F68B86}"/>
+              </a:ext>
+            </a:extLst>
+          </p:cNvPr>
+          <p:cNvPicPr>
+            <a:picLocks noChangeAspect="1"/>
+          </p:cNvPicPr>
+          <p:nvPr/>
+        </p:nvPicPr>
+        <p:blipFill>
+          <a:blip r:embed="rId4"/>
+          <a:stretch>
+            <a:fillRect/>
+          </a:stretch>
+        </p:blipFill>
+        <p:spPr>
+          <a:xfrm>
+            <a:off x="2630687" y="952254"/>
+            <a:ext cx="6976094" cy="4687063"/>
+          </a:xfrm>
+          <a:prstGeom prst="rect">
+            <a:avLst/>
+          </a:prstGeom>
+        </p:spPr>
+      </p:pic>
     </p:spTree>
     <p:extLst>
       <p:ext uri="{BB962C8B-B14F-4D97-AF65-F5344CB8AC3E}">
@@ -2250,7 +2281,7 @@
         </p:nvSpPr>
         <p:spPr>
           <a:xfrm>
-            <a:off x="2262761" y="359404"/>
+            <a:off x="2176929" y="468898"/>
             <a:ext cx="9425263" cy="523220"/>
           </a:xfrm>
           <a:prstGeom prst="rect">
@@ -3071,30 +3102,6 @@
           </a:p>
         </p:txBody>
       </p:sp>
-      <p:pic>
-        <p:nvPicPr>
-          <p:cNvPr id="3" name="图片 2"/>
-          <p:cNvPicPr>
-            <a:picLocks noChangeAspect="1"/>
-          </p:cNvPicPr>
-          <p:nvPr/>
-        </p:nvPicPr>
-        <p:blipFill>
-          <a:blip r:embed="rId2"/>
-          <a:stretch>
-            <a:fillRect/>
-          </a:stretch>
-        </p:blipFill>
-        <p:spPr>
-          <a:xfrm>
-            <a:off x="775136" y="359404"/>
-            <a:ext cx="1424251" cy="628052"/>
-          </a:xfrm>
-          <a:prstGeom prst="rect">
-            <a:avLst/>
-          </a:prstGeom>
-        </p:spPr>
-      </p:pic>
       <p:sp>
         <p:nvSpPr>
           <p:cNvPr id="28" name="TextBox 50"/>
@@ -3118,7 +3125,7 @@
           <a:lstStyle/>
           <a:p>
             <a:r>
-              <a:rPr lang="en-US" sz="2400" b="1" dirty="0">
+              <a:rPr lang="zh-Hans" altLang="en-US" sz="2400" b="1" dirty="0">
                 <a:solidFill>
                   <a:srgbClr val="001004"/>
                 </a:solidFill>
@@ -3127,11 +3134,53 @@
                 <a:cs typeface="+mn-ea"/>
                 <a:sym typeface="+mn-lt"/>
               </a:rPr>
+              <a:t>    </a:t>
+            </a:r>
+            <a:r>
+              <a:rPr lang="en-US" sz="2400" b="1" dirty="0">
+                <a:solidFill>
+                  <a:srgbClr val="001004"/>
+                </a:solidFill>
+                <a:latin typeface="仿宋" panose="02010609060101010101" pitchFamily="49" charset="-122"/>
+                <a:ea typeface="仿宋" panose="02010609060101010101" pitchFamily="49" charset="-122"/>
+                <a:cs typeface="+mn-ea"/>
+                <a:sym typeface="+mn-lt"/>
+              </a:rPr>
               <a:t>Scrum is a simple yet incredibly powerful set of principles and practices that helps teams deliver products in short cycles, enabling fast feedback, continual improvement, and rapid adaptation to change.</a:t>
             </a:r>
           </a:p>
         </p:txBody>
       </p:sp>
+      <p:pic>
+        <p:nvPicPr>
+          <p:cNvPr id="4" name="图片 3">
+            <a:extLst>
+              <a:ext uri="{FF2B5EF4-FFF2-40B4-BE49-F238E27FC236}">
+                <a16:creationId xmlns:a16="http://schemas.microsoft.com/office/drawing/2014/main" id="{C42449C8-3749-DF47-BB01-842CF8395BDB}"/>
+              </a:ext>
+            </a:extLst>
+          </p:cNvPr>
+          <p:cNvPicPr>
+            <a:picLocks noChangeAspect="1"/>
+          </p:cNvPicPr>
+          <p:nvPr/>
+        </p:nvPicPr>
+        <p:blipFill>
+          <a:blip r:embed="rId2"/>
+          <a:stretch>
+            <a:fillRect/>
+          </a:stretch>
+        </p:blipFill>
+        <p:spPr>
+          <a:xfrm>
+            <a:off x="387568" y="359404"/>
+            <a:ext cx="1783360" cy="742208"/>
+          </a:xfrm>
+          <a:prstGeom prst="rect">
+            <a:avLst/>
+          </a:prstGeom>
+        </p:spPr>
+      </p:pic>
     </p:spTree>
     <p:extLst>
       <p:ext uri="{BB962C8B-B14F-4D97-AF65-F5344CB8AC3E}">
@@ -3149,6 +3198,945 @@
 </file>
 
 <file path=ppt/slides/slide3.xml><?xml version="1.0" encoding="utf-8"?>
+<p:sld xmlns:a="http://schemas.openxmlformats.org/drawingml/2006/main" xmlns:r="http://schemas.openxmlformats.org/officeDocument/2006/relationships" xmlns:p="http://schemas.openxmlformats.org/presentationml/2006/main">
+  <p:cSld>
+    <p:spTree>
+      <p:nvGrpSpPr>
+        <p:cNvPr id="1" name=""/>
+        <p:cNvGrpSpPr/>
+        <p:nvPr/>
+      </p:nvGrpSpPr>
+      <p:grpSpPr>
+        <a:xfrm>
+          <a:off x="0" y="0"/>
+          <a:ext cx="0" cy="0"/>
+          <a:chOff x="0" y="0"/>
+          <a:chExt cx="0" cy="0"/>
+        </a:xfrm>
+      </p:grpSpPr>
+      <p:sp>
+        <p:nvSpPr>
+          <p:cNvPr id="57" name="TextBox 50"/>
+          <p:cNvSpPr txBox="1"/>
+          <p:nvPr/>
+        </p:nvSpPr>
+        <p:spPr>
+          <a:xfrm>
+            <a:off x="2170928" y="468898"/>
+            <a:ext cx="9425263" cy="523220"/>
+          </a:xfrm>
+          <a:prstGeom prst="rect">
+            <a:avLst/>
+          </a:prstGeom>
+          <a:noFill/>
+        </p:spPr>
+        <p:txBody>
+          <a:bodyPr wrap="square" rtlCol="0">
+            <a:spAutoFit/>
+          </a:bodyPr>
+          <a:lstStyle/>
+          <a:p>
+            <a:r>
+              <a:rPr lang="en-US" sz="2800" b="1" dirty="0">
+                <a:solidFill>
+                  <a:srgbClr val="7030A0"/>
+                </a:solidFill>
+                <a:latin typeface="仿宋" panose="02010609060101010101" pitchFamily="49" charset="-122"/>
+                <a:ea typeface="仿宋" panose="02010609060101010101" pitchFamily="49" charset="-122"/>
+                <a:cs typeface="+mn-ea"/>
+                <a:sym typeface="+mn-lt"/>
+              </a:rPr>
+              <a:t>What is Scrum?</a:t>
+            </a:r>
+          </a:p>
+        </p:txBody>
+      </p:sp>
+      <p:sp>
+        <p:nvSpPr>
+          <p:cNvPr id="63" name="矩形 62"/>
+          <p:cNvSpPr/>
+          <p:nvPr/>
+        </p:nvSpPr>
+        <p:spPr>
+          <a:xfrm>
+            <a:off x="0" y="6624130"/>
+            <a:ext cx="775136" cy="230832"/>
+          </a:xfrm>
+          <a:prstGeom prst="rect">
+            <a:avLst/>
+          </a:prstGeom>
+        </p:spPr>
+        <p:txBody>
+          <a:bodyPr wrap="square">
+            <a:spAutoFit/>
+          </a:bodyPr>
+          <a:lstStyle/>
+          <a:p>
+            <a:pPr marL="0" marR="0" lvl="0" indent="0" defTabSz="914400" eaLnBrk="1" fontAlgn="auto" latinLnBrk="0" hangingPunct="1">
+              <a:lnSpc>
+                <a:spcPct val="100000"/>
+              </a:lnSpc>
+              <a:spcBef>
+                <a:spcPts val="0"/>
+              </a:spcBef>
+              <a:spcAft>
+                <a:spcPts val="0"/>
+              </a:spcAft>
+              <a:buClrTx/>
+              <a:buSzTx/>
+              <a:buFontTx/>
+              <a:buNone/>
+              <a:tabLst/>
+              <a:defRPr/>
+            </a:pPr>
+            <a:r>
+              <a:rPr kumimoji="0" lang="en-US" altLang="zh-CN" sz="100" b="0" i="0" u="none" strike="noStrike" kern="0" cap="none" spc="0" normalizeH="0" baseline="0" noProof="0" dirty="0">
+                <a:ln>
+                  <a:noFill/>
+                </a:ln>
+                <a:solidFill>
+                  <a:sysClr val="window" lastClr="FFFFFF"/>
+                </a:solidFill>
+                <a:effectLst/>
+                <a:uLnTx/>
+                <a:uFillTx/>
+              </a:rPr>
+              <a:t>PPT</a:t>
+            </a:r>
+            <a:r>
+              <a:rPr kumimoji="0" lang="zh-CN" altLang="en-US" sz="100" b="0" i="0" u="none" strike="noStrike" kern="0" cap="none" spc="0" normalizeH="0" baseline="0" noProof="0" dirty="0">
+                <a:ln>
+                  <a:noFill/>
+                </a:ln>
+                <a:solidFill>
+                  <a:sysClr val="window" lastClr="FFFFFF"/>
+                </a:solidFill>
+                <a:effectLst/>
+                <a:uLnTx/>
+                <a:uFillTx/>
+              </a:rPr>
+              <a:t>模板下载：</a:t>
+            </a:r>
+            <a:r>
+              <a:rPr kumimoji="0" lang="en-US" altLang="zh-CN" sz="100" b="0" i="0" u="none" strike="noStrike" kern="0" cap="none" spc="0" normalizeH="0" baseline="0" noProof="0" dirty="0">
+                <a:ln>
+                  <a:noFill/>
+                </a:ln>
+                <a:solidFill>
+                  <a:sysClr val="window" lastClr="FFFFFF"/>
+                </a:solidFill>
+                <a:effectLst/>
+                <a:uLnTx/>
+                <a:uFillTx/>
+              </a:rPr>
+              <a:t>www.1ppt.com/moban/     </a:t>
+            </a:r>
+            <a:r>
+              <a:rPr kumimoji="0" lang="zh-CN" altLang="en-US" sz="100" b="0" i="0" u="none" strike="noStrike" kern="0" cap="none" spc="0" normalizeH="0" baseline="0" noProof="0" dirty="0">
+                <a:ln>
+                  <a:noFill/>
+                </a:ln>
+                <a:solidFill>
+                  <a:sysClr val="window" lastClr="FFFFFF"/>
+                </a:solidFill>
+                <a:effectLst/>
+                <a:uLnTx/>
+                <a:uFillTx/>
+              </a:rPr>
+              <a:t>行业</a:t>
+            </a:r>
+            <a:r>
+              <a:rPr kumimoji="0" lang="en-US" altLang="zh-CN" sz="100" b="0" i="0" u="none" strike="noStrike" kern="0" cap="none" spc="0" normalizeH="0" baseline="0" noProof="0" dirty="0">
+                <a:ln>
+                  <a:noFill/>
+                </a:ln>
+                <a:solidFill>
+                  <a:sysClr val="window" lastClr="FFFFFF"/>
+                </a:solidFill>
+                <a:effectLst/>
+                <a:uLnTx/>
+                <a:uFillTx/>
+              </a:rPr>
+              <a:t>PPT</a:t>
+            </a:r>
+            <a:r>
+              <a:rPr kumimoji="0" lang="zh-CN" altLang="en-US" sz="100" b="0" i="0" u="none" strike="noStrike" kern="0" cap="none" spc="0" normalizeH="0" baseline="0" noProof="0" dirty="0">
+                <a:ln>
+                  <a:noFill/>
+                </a:ln>
+                <a:solidFill>
+                  <a:sysClr val="window" lastClr="FFFFFF"/>
+                </a:solidFill>
+                <a:effectLst/>
+                <a:uLnTx/>
+                <a:uFillTx/>
+              </a:rPr>
+              <a:t>模板：</a:t>
+            </a:r>
+            <a:r>
+              <a:rPr kumimoji="0" lang="en-US" altLang="zh-CN" sz="100" b="0" i="0" u="none" strike="noStrike" kern="0" cap="none" spc="0" normalizeH="0" baseline="0" noProof="0" dirty="0">
+                <a:ln>
+                  <a:noFill/>
+                </a:ln>
+                <a:solidFill>
+                  <a:sysClr val="window" lastClr="FFFFFF"/>
+                </a:solidFill>
+                <a:effectLst/>
+                <a:uLnTx/>
+                <a:uFillTx/>
+              </a:rPr>
+              <a:t>www.1ppt.com/hangye/ </a:t>
+            </a:r>
+          </a:p>
+          <a:p>
+            <a:pPr marL="0" marR="0" lvl="0" indent="0" defTabSz="914400" eaLnBrk="1" fontAlgn="auto" latinLnBrk="0" hangingPunct="1">
+              <a:lnSpc>
+                <a:spcPct val="100000"/>
+              </a:lnSpc>
+              <a:spcBef>
+                <a:spcPts val="0"/>
+              </a:spcBef>
+              <a:spcAft>
+                <a:spcPts val="0"/>
+              </a:spcAft>
+              <a:buClrTx/>
+              <a:buSzTx/>
+              <a:buFontTx/>
+              <a:buNone/>
+              <a:tabLst/>
+              <a:defRPr/>
+            </a:pPr>
+            <a:r>
+              <a:rPr kumimoji="0" lang="zh-CN" altLang="en-US" sz="100" b="0" i="0" u="none" strike="noStrike" kern="0" cap="none" spc="0" normalizeH="0" baseline="0" noProof="0" dirty="0">
+                <a:ln>
+                  <a:noFill/>
+                </a:ln>
+                <a:solidFill>
+                  <a:sysClr val="window" lastClr="FFFFFF"/>
+                </a:solidFill>
+                <a:effectLst/>
+                <a:uLnTx/>
+                <a:uFillTx/>
+              </a:rPr>
+              <a:t>节日</a:t>
+            </a:r>
+            <a:r>
+              <a:rPr kumimoji="0" lang="en-US" altLang="zh-CN" sz="100" b="0" i="0" u="none" strike="noStrike" kern="0" cap="none" spc="0" normalizeH="0" baseline="0" noProof="0" dirty="0">
+                <a:ln>
+                  <a:noFill/>
+                </a:ln>
+                <a:solidFill>
+                  <a:sysClr val="window" lastClr="FFFFFF"/>
+                </a:solidFill>
+                <a:effectLst/>
+                <a:uLnTx/>
+                <a:uFillTx/>
+              </a:rPr>
+              <a:t>PPT</a:t>
+            </a:r>
+            <a:r>
+              <a:rPr kumimoji="0" lang="zh-CN" altLang="en-US" sz="100" b="0" i="0" u="none" strike="noStrike" kern="0" cap="none" spc="0" normalizeH="0" baseline="0" noProof="0" dirty="0">
+                <a:ln>
+                  <a:noFill/>
+                </a:ln>
+                <a:solidFill>
+                  <a:sysClr val="window" lastClr="FFFFFF"/>
+                </a:solidFill>
+                <a:effectLst/>
+                <a:uLnTx/>
+                <a:uFillTx/>
+              </a:rPr>
+              <a:t>模板：</a:t>
+            </a:r>
+            <a:r>
+              <a:rPr kumimoji="0" lang="en-US" altLang="zh-CN" sz="100" b="0" i="0" u="none" strike="noStrike" kern="0" cap="none" spc="0" normalizeH="0" baseline="0" noProof="0" dirty="0">
+                <a:ln>
+                  <a:noFill/>
+                </a:ln>
+                <a:solidFill>
+                  <a:sysClr val="window" lastClr="FFFFFF"/>
+                </a:solidFill>
+                <a:effectLst/>
+                <a:uLnTx/>
+                <a:uFillTx/>
+              </a:rPr>
+              <a:t>www.1ppt.com/jieri/           PPT</a:t>
+            </a:r>
+            <a:r>
+              <a:rPr kumimoji="0" lang="zh-CN" altLang="en-US" sz="100" b="0" i="0" u="none" strike="noStrike" kern="0" cap="none" spc="0" normalizeH="0" baseline="0" noProof="0" dirty="0">
+                <a:ln>
+                  <a:noFill/>
+                </a:ln>
+                <a:solidFill>
+                  <a:sysClr val="window" lastClr="FFFFFF"/>
+                </a:solidFill>
+                <a:effectLst/>
+                <a:uLnTx/>
+                <a:uFillTx/>
+              </a:rPr>
+              <a:t>素材下载：</a:t>
+            </a:r>
+            <a:r>
+              <a:rPr kumimoji="0" lang="en-US" altLang="zh-CN" sz="100" b="0" i="0" u="none" strike="noStrike" kern="0" cap="none" spc="0" normalizeH="0" baseline="0" noProof="0" dirty="0">
+                <a:ln>
+                  <a:noFill/>
+                </a:ln>
+                <a:solidFill>
+                  <a:sysClr val="window" lastClr="FFFFFF"/>
+                </a:solidFill>
+                <a:effectLst/>
+                <a:uLnTx/>
+                <a:uFillTx/>
+              </a:rPr>
+              <a:t>www.1ppt.com/sucai/</a:t>
+            </a:r>
+          </a:p>
+          <a:p>
+            <a:pPr marL="0" marR="0" lvl="0" indent="0" defTabSz="914400" eaLnBrk="1" fontAlgn="auto" latinLnBrk="0" hangingPunct="1">
+              <a:lnSpc>
+                <a:spcPct val="100000"/>
+              </a:lnSpc>
+              <a:spcBef>
+                <a:spcPts val="0"/>
+              </a:spcBef>
+              <a:spcAft>
+                <a:spcPts val="0"/>
+              </a:spcAft>
+              <a:buClrTx/>
+              <a:buSzTx/>
+              <a:buFontTx/>
+              <a:buNone/>
+              <a:tabLst/>
+              <a:defRPr/>
+            </a:pPr>
+            <a:r>
+              <a:rPr kumimoji="0" lang="en-US" altLang="zh-CN" sz="100" b="0" i="0" u="none" strike="noStrike" kern="0" cap="none" spc="0" normalizeH="0" baseline="0" noProof="0" dirty="0">
+                <a:ln>
+                  <a:noFill/>
+                </a:ln>
+                <a:solidFill>
+                  <a:sysClr val="window" lastClr="FFFFFF"/>
+                </a:solidFill>
+                <a:effectLst/>
+                <a:uLnTx/>
+                <a:uFillTx/>
+              </a:rPr>
+              <a:t>PPT</a:t>
+            </a:r>
+            <a:r>
+              <a:rPr kumimoji="0" lang="zh-CN" altLang="en-US" sz="100" b="0" i="0" u="none" strike="noStrike" kern="0" cap="none" spc="0" normalizeH="0" baseline="0" noProof="0" dirty="0">
+                <a:ln>
+                  <a:noFill/>
+                </a:ln>
+                <a:solidFill>
+                  <a:sysClr val="window" lastClr="FFFFFF"/>
+                </a:solidFill>
+                <a:effectLst/>
+                <a:uLnTx/>
+                <a:uFillTx/>
+              </a:rPr>
+              <a:t>背景图片：</a:t>
+            </a:r>
+            <a:r>
+              <a:rPr kumimoji="0" lang="en-US" altLang="zh-CN" sz="100" b="0" i="0" u="none" strike="noStrike" kern="0" cap="none" spc="0" normalizeH="0" baseline="0" noProof="0" dirty="0">
+                <a:ln>
+                  <a:noFill/>
+                </a:ln>
+                <a:solidFill>
+                  <a:sysClr val="window" lastClr="FFFFFF"/>
+                </a:solidFill>
+                <a:effectLst/>
+                <a:uLnTx/>
+                <a:uFillTx/>
+              </a:rPr>
+              <a:t>www.1ppt.com/beijing/      PPT</a:t>
+            </a:r>
+            <a:r>
+              <a:rPr kumimoji="0" lang="zh-CN" altLang="en-US" sz="100" b="0" i="0" u="none" strike="noStrike" kern="0" cap="none" spc="0" normalizeH="0" baseline="0" noProof="0" dirty="0">
+                <a:ln>
+                  <a:noFill/>
+                </a:ln>
+                <a:solidFill>
+                  <a:sysClr val="window" lastClr="FFFFFF"/>
+                </a:solidFill>
+                <a:effectLst/>
+                <a:uLnTx/>
+                <a:uFillTx/>
+              </a:rPr>
+              <a:t>图表下载：</a:t>
+            </a:r>
+            <a:r>
+              <a:rPr kumimoji="0" lang="en-US" altLang="zh-CN" sz="100" b="0" i="0" u="none" strike="noStrike" kern="0" cap="none" spc="0" normalizeH="0" baseline="0" noProof="0" dirty="0">
+                <a:ln>
+                  <a:noFill/>
+                </a:ln>
+                <a:solidFill>
+                  <a:sysClr val="window" lastClr="FFFFFF"/>
+                </a:solidFill>
+                <a:effectLst/>
+                <a:uLnTx/>
+                <a:uFillTx/>
+              </a:rPr>
+              <a:t>www.1ppt.com/tubiao/      </a:t>
+            </a:r>
+          </a:p>
+          <a:p>
+            <a:pPr marL="0" marR="0" lvl="0" indent="0" defTabSz="914400" eaLnBrk="1" fontAlgn="auto" latinLnBrk="0" hangingPunct="1">
+              <a:lnSpc>
+                <a:spcPct val="100000"/>
+              </a:lnSpc>
+              <a:spcBef>
+                <a:spcPts val="0"/>
+              </a:spcBef>
+              <a:spcAft>
+                <a:spcPts val="0"/>
+              </a:spcAft>
+              <a:buClrTx/>
+              <a:buSzTx/>
+              <a:buFontTx/>
+              <a:buNone/>
+              <a:tabLst/>
+              <a:defRPr/>
+            </a:pPr>
+            <a:r>
+              <a:rPr kumimoji="0" lang="zh-CN" altLang="en-US" sz="100" b="0" i="0" u="none" strike="noStrike" kern="0" cap="none" spc="0" normalizeH="0" baseline="0" noProof="0" dirty="0">
+                <a:ln>
+                  <a:noFill/>
+                </a:ln>
+                <a:solidFill>
+                  <a:sysClr val="window" lastClr="FFFFFF"/>
+                </a:solidFill>
+                <a:effectLst/>
+                <a:uLnTx/>
+                <a:uFillTx/>
+              </a:rPr>
+              <a:t>优秀</a:t>
+            </a:r>
+            <a:r>
+              <a:rPr kumimoji="0" lang="en-US" altLang="zh-CN" sz="100" b="0" i="0" u="none" strike="noStrike" kern="0" cap="none" spc="0" normalizeH="0" baseline="0" noProof="0" dirty="0">
+                <a:ln>
+                  <a:noFill/>
+                </a:ln>
+                <a:solidFill>
+                  <a:sysClr val="window" lastClr="FFFFFF"/>
+                </a:solidFill>
+                <a:effectLst/>
+                <a:uLnTx/>
+                <a:uFillTx/>
+              </a:rPr>
+              <a:t>PPT</a:t>
+            </a:r>
+            <a:r>
+              <a:rPr kumimoji="0" lang="zh-CN" altLang="en-US" sz="100" b="0" i="0" u="none" strike="noStrike" kern="0" cap="none" spc="0" normalizeH="0" baseline="0" noProof="0" dirty="0">
+                <a:ln>
+                  <a:noFill/>
+                </a:ln>
+                <a:solidFill>
+                  <a:sysClr val="window" lastClr="FFFFFF"/>
+                </a:solidFill>
+                <a:effectLst/>
+                <a:uLnTx/>
+                <a:uFillTx/>
+              </a:rPr>
+              <a:t>下载：</a:t>
+            </a:r>
+            <a:r>
+              <a:rPr kumimoji="0" lang="en-US" altLang="zh-CN" sz="100" b="0" i="0" u="none" strike="noStrike" kern="0" cap="none" spc="0" normalizeH="0" baseline="0" noProof="0" dirty="0">
+                <a:ln>
+                  <a:noFill/>
+                </a:ln>
+                <a:solidFill>
+                  <a:sysClr val="window" lastClr="FFFFFF"/>
+                </a:solidFill>
+                <a:effectLst/>
+                <a:uLnTx/>
+                <a:uFillTx/>
+              </a:rPr>
+              <a:t>www.1ppt.com/xiazai/        PPT</a:t>
+            </a:r>
+            <a:r>
+              <a:rPr kumimoji="0" lang="zh-CN" altLang="en-US" sz="100" b="0" i="0" u="none" strike="noStrike" kern="0" cap="none" spc="0" normalizeH="0" baseline="0" noProof="0" dirty="0">
+                <a:ln>
+                  <a:noFill/>
+                </a:ln>
+                <a:solidFill>
+                  <a:sysClr val="window" lastClr="FFFFFF"/>
+                </a:solidFill>
+                <a:effectLst/>
+                <a:uLnTx/>
+                <a:uFillTx/>
+              </a:rPr>
+              <a:t>教程： </a:t>
+            </a:r>
+            <a:r>
+              <a:rPr kumimoji="0" lang="en-US" altLang="zh-CN" sz="100" b="0" i="0" u="none" strike="noStrike" kern="0" cap="none" spc="0" normalizeH="0" baseline="0" noProof="0" dirty="0">
+                <a:ln>
+                  <a:noFill/>
+                </a:ln>
+                <a:solidFill>
+                  <a:sysClr val="window" lastClr="FFFFFF"/>
+                </a:solidFill>
+                <a:effectLst/>
+                <a:uLnTx/>
+                <a:uFillTx/>
+              </a:rPr>
+              <a:t>www.1ppt.com/powerpoint/      </a:t>
+            </a:r>
+          </a:p>
+          <a:p>
+            <a:pPr marL="0" marR="0" lvl="0" indent="0" defTabSz="914400" eaLnBrk="1" fontAlgn="auto" latinLnBrk="0" hangingPunct="1">
+              <a:lnSpc>
+                <a:spcPct val="100000"/>
+              </a:lnSpc>
+              <a:spcBef>
+                <a:spcPts val="0"/>
+              </a:spcBef>
+              <a:spcAft>
+                <a:spcPts val="0"/>
+              </a:spcAft>
+              <a:buClrTx/>
+              <a:buSzTx/>
+              <a:buFontTx/>
+              <a:buNone/>
+              <a:tabLst/>
+              <a:defRPr/>
+            </a:pPr>
+            <a:r>
+              <a:rPr kumimoji="0" lang="en-US" altLang="zh-CN" sz="100" b="0" i="0" u="none" strike="noStrike" kern="0" cap="none" spc="0" normalizeH="0" baseline="0" noProof="0" dirty="0">
+                <a:ln>
+                  <a:noFill/>
+                </a:ln>
+                <a:solidFill>
+                  <a:sysClr val="window" lastClr="FFFFFF"/>
+                </a:solidFill>
+                <a:effectLst/>
+                <a:uLnTx/>
+                <a:uFillTx/>
+              </a:rPr>
+              <a:t>Word</a:t>
+            </a:r>
+            <a:r>
+              <a:rPr kumimoji="0" lang="zh-CN" altLang="en-US" sz="100" b="0" i="0" u="none" strike="noStrike" kern="0" cap="none" spc="0" normalizeH="0" baseline="0" noProof="0" dirty="0">
+                <a:ln>
+                  <a:noFill/>
+                </a:ln>
+                <a:solidFill>
+                  <a:sysClr val="window" lastClr="FFFFFF"/>
+                </a:solidFill>
+                <a:effectLst/>
+                <a:uLnTx/>
+                <a:uFillTx/>
+              </a:rPr>
+              <a:t>教程： </a:t>
+            </a:r>
+            <a:r>
+              <a:rPr kumimoji="0" lang="en-US" altLang="zh-CN" sz="100" b="0" i="0" u="none" strike="noStrike" kern="0" cap="none" spc="0" normalizeH="0" baseline="0" noProof="0" dirty="0">
+                <a:ln>
+                  <a:noFill/>
+                </a:ln>
+                <a:solidFill>
+                  <a:sysClr val="window" lastClr="FFFFFF"/>
+                </a:solidFill>
+                <a:effectLst/>
+                <a:uLnTx/>
+                <a:uFillTx/>
+              </a:rPr>
+              <a:t>www.1ppt.com/word/              Excel</a:t>
+            </a:r>
+            <a:r>
+              <a:rPr kumimoji="0" lang="zh-CN" altLang="en-US" sz="100" b="0" i="0" u="none" strike="noStrike" kern="0" cap="none" spc="0" normalizeH="0" baseline="0" noProof="0" dirty="0">
+                <a:ln>
+                  <a:noFill/>
+                </a:ln>
+                <a:solidFill>
+                  <a:sysClr val="window" lastClr="FFFFFF"/>
+                </a:solidFill>
+                <a:effectLst/>
+                <a:uLnTx/>
+                <a:uFillTx/>
+              </a:rPr>
+              <a:t>教程：</a:t>
+            </a:r>
+            <a:r>
+              <a:rPr kumimoji="0" lang="en-US" altLang="zh-CN" sz="100" b="0" i="0" u="none" strike="noStrike" kern="0" cap="none" spc="0" normalizeH="0" baseline="0" noProof="0" dirty="0">
+                <a:ln>
+                  <a:noFill/>
+                </a:ln>
+                <a:solidFill>
+                  <a:sysClr val="window" lastClr="FFFFFF"/>
+                </a:solidFill>
+                <a:effectLst/>
+                <a:uLnTx/>
+                <a:uFillTx/>
+              </a:rPr>
+              <a:t>www.1ppt.com/excel/  </a:t>
+            </a:r>
+          </a:p>
+          <a:p>
+            <a:pPr marL="0" marR="0" lvl="0" indent="0" defTabSz="914400" eaLnBrk="1" fontAlgn="auto" latinLnBrk="0" hangingPunct="1">
+              <a:lnSpc>
+                <a:spcPct val="100000"/>
+              </a:lnSpc>
+              <a:spcBef>
+                <a:spcPts val="0"/>
+              </a:spcBef>
+              <a:spcAft>
+                <a:spcPts val="0"/>
+              </a:spcAft>
+              <a:buClrTx/>
+              <a:buSzTx/>
+              <a:buFontTx/>
+              <a:buNone/>
+              <a:tabLst/>
+              <a:defRPr/>
+            </a:pPr>
+            <a:r>
+              <a:rPr kumimoji="0" lang="zh-CN" altLang="en-US" sz="100" b="0" i="0" u="none" strike="noStrike" kern="0" cap="none" spc="0" normalizeH="0" baseline="0" noProof="0" dirty="0">
+                <a:ln>
+                  <a:noFill/>
+                </a:ln>
+                <a:solidFill>
+                  <a:sysClr val="window" lastClr="FFFFFF"/>
+                </a:solidFill>
+                <a:effectLst/>
+                <a:uLnTx/>
+                <a:uFillTx/>
+              </a:rPr>
+              <a:t>资料下载：</a:t>
+            </a:r>
+            <a:r>
+              <a:rPr kumimoji="0" lang="en-US" altLang="zh-CN" sz="100" b="0" i="0" u="none" strike="noStrike" kern="0" cap="none" spc="0" normalizeH="0" baseline="0" noProof="0" dirty="0">
+                <a:ln>
+                  <a:noFill/>
+                </a:ln>
+                <a:solidFill>
+                  <a:sysClr val="window" lastClr="FFFFFF"/>
+                </a:solidFill>
+                <a:effectLst/>
+                <a:uLnTx/>
+                <a:uFillTx/>
+              </a:rPr>
+              <a:t>www.1ppt.com/ziliao/                PPT</a:t>
+            </a:r>
+            <a:r>
+              <a:rPr kumimoji="0" lang="zh-CN" altLang="en-US" sz="100" b="0" i="0" u="none" strike="noStrike" kern="0" cap="none" spc="0" normalizeH="0" baseline="0" noProof="0" dirty="0">
+                <a:ln>
+                  <a:noFill/>
+                </a:ln>
+                <a:solidFill>
+                  <a:sysClr val="window" lastClr="FFFFFF"/>
+                </a:solidFill>
+                <a:effectLst/>
+                <a:uLnTx/>
+                <a:uFillTx/>
+              </a:rPr>
+              <a:t>课件下载：</a:t>
+            </a:r>
+            <a:r>
+              <a:rPr kumimoji="0" lang="en-US" altLang="zh-CN" sz="100" b="0" i="0" u="none" strike="noStrike" kern="0" cap="none" spc="0" normalizeH="0" baseline="0" noProof="0" dirty="0">
+                <a:ln>
+                  <a:noFill/>
+                </a:ln>
+                <a:solidFill>
+                  <a:sysClr val="window" lastClr="FFFFFF"/>
+                </a:solidFill>
+                <a:effectLst/>
+                <a:uLnTx/>
+                <a:uFillTx/>
+              </a:rPr>
+              <a:t>www.1ppt.com/kejian/ </a:t>
+            </a:r>
+          </a:p>
+          <a:p>
+            <a:pPr marL="0" marR="0" lvl="0" indent="0" defTabSz="914400" eaLnBrk="1" fontAlgn="auto" latinLnBrk="0" hangingPunct="1">
+              <a:lnSpc>
+                <a:spcPct val="100000"/>
+              </a:lnSpc>
+              <a:spcBef>
+                <a:spcPts val="0"/>
+              </a:spcBef>
+              <a:spcAft>
+                <a:spcPts val="0"/>
+              </a:spcAft>
+              <a:buClrTx/>
+              <a:buSzTx/>
+              <a:buFontTx/>
+              <a:buNone/>
+              <a:tabLst/>
+              <a:defRPr/>
+            </a:pPr>
+            <a:r>
+              <a:rPr kumimoji="0" lang="zh-CN" altLang="en-US" sz="100" b="0" i="0" u="none" strike="noStrike" kern="0" cap="none" spc="0" normalizeH="0" baseline="0" noProof="0" dirty="0">
+                <a:ln>
+                  <a:noFill/>
+                </a:ln>
+                <a:solidFill>
+                  <a:sysClr val="window" lastClr="FFFFFF"/>
+                </a:solidFill>
+                <a:effectLst/>
+                <a:uLnTx/>
+                <a:uFillTx/>
+              </a:rPr>
+              <a:t>范文下载：</a:t>
+            </a:r>
+            <a:r>
+              <a:rPr kumimoji="0" lang="en-US" altLang="zh-CN" sz="100" b="0" i="0" u="none" strike="noStrike" kern="0" cap="none" spc="0" normalizeH="0" baseline="0" noProof="0" dirty="0">
+                <a:ln>
+                  <a:noFill/>
+                </a:ln>
+                <a:solidFill>
+                  <a:sysClr val="window" lastClr="FFFFFF"/>
+                </a:solidFill>
+                <a:effectLst/>
+                <a:uLnTx/>
+                <a:uFillTx/>
+              </a:rPr>
+              <a:t>www.1ppt.com/fanwen/             </a:t>
+            </a:r>
+            <a:r>
+              <a:rPr kumimoji="0" lang="zh-CN" altLang="en-US" sz="100" b="0" i="0" u="none" strike="noStrike" kern="0" cap="none" spc="0" normalizeH="0" baseline="0" noProof="0" dirty="0">
+                <a:ln>
+                  <a:noFill/>
+                </a:ln>
+                <a:solidFill>
+                  <a:sysClr val="window" lastClr="FFFFFF"/>
+                </a:solidFill>
+                <a:effectLst/>
+                <a:uLnTx/>
+                <a:uFillTx/>
+              </a:rPr>
+              <a:t>试卷下载：</a:t>
+            </a:r>
+            <a:r>
+              <a:rPr kumimoji="0" lang="en-US" altLang="zh-CN" sz="100" b="0" i="0" u="none" strike="noStrike" kern="0" cap="none" spc="0" normalizeH="0" baseline="0" noProof="0" dirty="0">
+                <a:ln>
+                  <a:noFill/>
+                </a:ln>
+                <a:solidFill>
+                  <a:sysClr val="window" lastClr="FFFFFF"/>
+                </a:solidFill>
+                <a:effectLst/>
+                <a:uLnTx/>
+                <a:uFillTx/>
+              </a:rPr>
+              <a:t>www.1ppt.com/shiti/  </a:t>
+            </a:r>
+          </a:p>
+          <a:p>
+            <a:pPr marL="0" marR="0" lvl="0" indent="0" defTabSz="914400" eaLnBrk="1" fontAlgn="auto" latinLnBrk="0" hangingPunct="1">
+              <a:lnSpc>
+                <a:spcPct val="100000"/>
+              </a:lnSpc>
+              <a:spcBef>
+                <a:spcPts val="0"/>
+              </a:spcBef>
+              <a:spcAft>
+                <a:spcPts val="0"/>
+              </a:spcAft>
+              <a:buClrTx/>
+              <a:buSzTx/>
+              <a:buFontTx/>
+              <a:buNone/>
+              <a:tabLst/>
+              <a:defRPr/>
+            </a:pPr>
+            <a:r>
+              <a:rPr kumimoji="0" lang="zh-CN" altLang="en-US" sz="100" b="0" i="0" u="none" strike="noStrike" kern="0" cap="none" spc="0" normalizeH="0" baseline="0" noProof="0" dirty="0">
+                <a:ln>
+                  <a:noFill/>
+                </a:ln>
+                <a:solidFill>
+                  <a:sysClr val="window" lastClr="FFFFFF"/>
+                </a:solidFill>
+                <a:effectLst/>
+                <a:uLnTx/>
+                <a:uFillTx/>
+              </a:rPr>
+              <a:t>教案下载：</a:t>
+            </a:r>
+            <a:r>
+              <a:rPr kumimoji="0" lang="en-US" altLang="zh-CN" sz="100" b="0" i="0" u="none" strike="noStrike" kern="0" cap="none" spc="0" normalizeH="0" baseline="0" noProof="0" dirty="0">
+                <a:ln>
+                  <a:noFill/>
+                </a:ln>
+                <a:solidFill>
+                  <a:sysClr val="window" lastClr="FFFFFF"/>
+                </a:solidFill>
+                <a:effectLst/>
+                <a:uLnTx/>
+                <a:uFillTx/>
+              </a:rPr>
+              <a:t>www.1ppt.com/jiaoan/        PPT</a:t>
+            </a:r>
+            <a:r>
+              <a:rPr kumimoji="0" lang="zh-CN" altLang="en-US" sz="100" b="0" i="0" u="none" strike="noStrike" kern="0" cap="none" spc="0" normalizeH="0" baseline="0" noProof="0" dirty="0">
+                <a:ln>
+                  <a:noFill/>
+                </a:ln>
+                <a:solidFill>
+                  <a:sysClr val="window" lastClr="FFFFFF"/>
+                </a:solidFill>
+                <a:effectLst/>
+                <a:uLnTx/>
+                <a:uFillTx/>
+              </a:rPr>
+              <a:t>论坛：</a:t>
+            </a:r>
+            <a:r>
+              <a:rPr kumimoji="0" lang="en-US" altLang="zh-CN" sz="100" b="0" i="0" u="none" strike="noStrike" kern="0" cap="none" spc="0" normalizeH="0" baseline="0" noProof="0" dirty="0">
+                <a:ln>
+                  <a:noFill/>
+                </a:ln>
+                <a:solidFill>
+                  <a:sysClr val="window" lastClr="FFFFFF"/>
+                </a:solidFill>
+                <a:effectLst/>
+                <a:uLnTx/>
+                <a:uFillTx/>
+              </a:rPr>
+              <a:t>www.1ppt.cn</a:t>
+            </a:r>
+          </a:p>
+          <a:p>
+            <a:pPr marL="0" marR="0" lvl="0" indent="0" defTabSz="914400" eaLnBrk="1" fontAlgn="auto" latinLnBrk="0" hangingPunct="1">
+              <a:lnSpc>
+                <a:spcPct val="100000"/>
+              </a:lnSpc>
+              <a:spcBef>
+                <a:spcPts val="0"/>
+              </a:spcBef>
+              <a:spcAft>
+                <a:spcPts val="0"/>
+              </a:spcAft>
+              <a:buClrTx/>
+              <a:buSzTx/>
+              <a:buFontTx/>
+              <a:buNone/>
+              <a:tabLst/>
+              <a:defRPr/>
+            </a:pPr>
+            <a:r>
+              <a:rPr kumimoji="0" lang="en-US" altLang="zh-CN" sz="100" b="0" i="0" u="none" strike="noStrike" kern="0" cap="none" spc="0" normalizeH="0" baseline="0" noProof="0" dirty="0">
+                <a:ln>
+                  <a:noFill/>
+                </a:ln>
+                <a:solidFill>
+                  <a:sysClr val="window" lastClr="FFFFFF"/>
+                </a:solidFill>
+                <a:effectLst/>
+                <a:uLnTx/>
+                <a:uFillTx/>
+              </a:rPr>
+              <a:t> </a:t>
+            </a:r>
+            <a:endParaRPr kumimoji="0" lang="zh-CN" altLang="en-US" sz="100" b="0" i="0" u="none" strike="noStrike" kern="0" cap="none" spc="0" normalizeH="0" baseline="0" noProof="0" dirty="0">
+              <a:ln>
+                <a:noFill/>
+              </a:ln>
+              <a:solidFill>
+                <a:sysClr val="window" lastClr="FFFFFF"/>
+              </a:solidFill>
+              <a:effectLst/>
+              <a:uLnTx/>
+              <a:uFillTx/>
+            </a:endParaRPr>
+          </a:p>
+        </p:txBody>
+      </p:sp>
+      <p:pic>
+        <p:nvPicPr>
+          <p:cNvPr id="1025" name="Picture 1" descr="page1image5007056">
+            <a:extLst>
+              <a:ext uri="{FF2B5EF4-FFF2-40B4-BE49-F238E27FC236}">
+                <a16:creationId xmlns:a16="http://schemas.microsoft.com/office/drawing/2014/main" id="{277155C6-7817-BD41-AE2E-5BAA76B64BAF}"/>
+              </a:ext>
+            </a:extLst>
+          </p:cNvPr>
+          <p:cNvPicPr>
+            <a:picLocks noChangeAspect="1" noChangeArrowheads="1"/>
+          </p:cNvPicPr>
+          <p:nvPr/>
+        </p:nvPicPr>
+        <p:blipFill>
+          <a:blip r:embed="rId2">
+            <a:extLst>
+              <a:ext uri="{28A0092B-C50C-407E-A947-70E740481C1C}">
+                <a14:useLocalDpi xmlns:a14="http://schemas.microsoft.com/office/drawing/2010/main" val="0"/>
+              </a:ext>
+            </a:extLst>
+          </a:blip>
+          <a:srcRect/>
+          <a:stretch>
+            <a:fillRect/>
+          </a:stretch>
+        </p:blipFill>
+        <p:spPr bwMode="auto">
+          <a:xfrm>
+            <a:off x="1368903" y="1033153"/>
+            <a:ext cx="8267925" cy="5349834"/>
+          </a:xfrm>
+          <a:prstGeom prst="rect">
+            <a:avLst/>
+          </a:prstGeom>
+          <a:noFill/>
+          <a:extLst>
+            <a:ext uri="{909E8E84-426E-40DD-AFC4-6F175D3DCCD1}">
+              <a14:hiddenFill xmlns:a14="http://schemas.microsoft.com/office/drawing/2010/main">
+                <a:solidFill>
+                  <a:srgbClr val="FFFFFF"/>
+                </a:solidFill>
+              </a14:hiddenFill>
+            </a:ext>
+          </a:extLst>
+        </p:spPr>
+      </p:pic>
+      <p:pic>
+        <p:nvPicPr>
+          <p:cNvPr id="6" name="图片 5">
+            <a:extLst>
+              <a:ext uri="{FF2B5EF4-FFF2-40B4-BE49-F238E27FC236}">
+                <a16:creationId xmlns:a16="http://schemas.microsoft.com/office/drawing/2014/main" id="{797630DB-22B4-0E47-BC2B-8CC568CC0FE3}"/>
+              </a:ext>
+            </a:extLst>
+          </p:cNvPr>
+          <p:cNvPicPr>
+            <a:picLocks noChangeAspect="1"/>
+          </p:cNvPicPr>
+          <p:nvPr/>
+        </p:nvPicPr>
+        <p:blipFill>
+          <a:blip r:embed="rId3"/>
+          <a:stretch>
+            <a:fillRect/>
+          </a:stretch>
+        </p:blipFill>
+        <p:spPr>
+          <a:xfrm>
+            <a:off x="387568" y="359404"/>
+            <a:ext cx="1783360" cy="742208"/>
+          </a:xfrm>
+          <a:prstGeom prst="rect">
+            <a:avLst/>
+          </a:prstGeom>
+        </p:spPr>
+      </p:pic>
+    </p:spTree>
+    <p:extLst>
+      <p:ext uri="{BB962C8B-B14F-4D97-AF65-F5344CB8AC3E}">
+        <p14:creationId xmlns:p14="http://schemas.microsoft.com/office/powerpoint/2010/main" val="517496665"/>
+      </p:ext>
+    </p:extLst>
+  </p:cSld>
+  <p:clrMapOvr>
+    <a:masterClrMapping/>
+  </p:clrMapOvr>
+  <p:transition spd="slow">
+    <p:wipe/>
+  </p:transition>
+</p:sld>
+</file>
+
+<file path=ppt/slides/slide4.xml><?xml version="1.0" encoding="utf-8"?>
 <p:sld xmlns:a="http://schemas.openxmlformats.org/drawingml/2006/main" xmlns:r="http://schemas.openxmlformats.org/officeDocument/2006/relationships" xmlns:p="http://schemas.openxmlformats.org/presentationml/2006/main">
   <p:cSld>
     <p:spTree>
@@ -4027,7 +5015,7 @@
 </p:sld>
 </file>
 
-<file path=ppt/slides/slide4.xml><?xml version="1.0" encoding="utf-8"?>
+<file path=ppt/slides/slide5.xml><?xml version="1.0" encoding="utf-8"?>
 <p:sld xmlns:a="http://schemas.openxmlformats.org/drawingml/2006/main" xmlns:r="http://schemas.openxmlformats.org/officeDocument/2006/relationships" xmlns:p="http://schemas.openxmlformats.org/presentationml/2006/main">
   <p:cSld>
     <p:spTree>
